--- a/Presentation/Alak Presentation.pptx
+++ b/Presentation/Alak Presentation.pptx
@@ -104,6 +104,11 @@
       </a:defRPr>
     </a:lvl9pPr>
   </p:defaultTextStyle>
+  <p:extLst>
+    <p:ext uri="{EFAFB233-063F-42B5-8137-9DF3F51BA10A}">
+      <p15:sldGuideLst xmlns:p15="http://schemas.microsoft.com/office/powerpoint/2012/main"/>
+    </p:ext>
+  </p:extLst>
 </p:presentation>
 </file>
 
@@ -5133,7 +5138,7 @@
         </p:blipFill>
         <p:spPr>
           <a:xfrm>
-            <a:off x="44972" y="10"/>
+            <a:off x="-2696" y="0"/>
             <a:ext cx="12191980" cy="6857990"/>
           </a:xfrm>
           <a:prstGeom prst="rect">
@@ -5202,7 +5207,7 @@
         </p:nvSpPr>
         <p:spPr>
           <a:xfrm>
-            <a:off x="6241216" y="3766601"/>
+            <a:off x="6241216" y="3916691"/>
             <a:ext cx="4800054" cy="369332"/>
           </a:xfrm>
           <a:prstGeom prst="rect">
@@ -5237,7 +5242,7 @@
         </p:nvSpPr>
         <p:spPr>
           <a:xfrm>
-            <a:off x="190336" y="3777205"/>
+            <a:off x="206754" y="3916691"/>
             <a:ext cx="4800054" cy="369332"/>
           </a:xfrm>
           <a:prstGeom prst="rect">
@@ -5343,7 +5348,7 @@
         <p:spPr>
           <a:xfrm>
             <a:off x="190336" y="928853"/>
-            <a:ext cx="5677509" cy="2500147"/>
+            <a:ext cx="5677509" cy="2871246"/>
           </a:xfrm>
           <a:prstGeom prst="rect">
             <a:avLst/>
@@ -5389,8 +5394,8 @@
         </p:nvSpPr>
         <p:spPr>
           <a:xfrm>
-            <a:off x="193191" y="3713926"/>
-            <a:ext cx="5677509" cy="2500147"/>
+            <a:off x="182241" y="3858721"/>
+            <a:ext cx="5677509" cy="2720402"/>
           </a:xfrm>
           <a:prstGeom prst="rect">
             <a:avLst/>
@@ -5436,8 +5441,8 @@
         </p:nvSpPr>
         <p:spPr>
           <a:xfrm>
-            <a:off x="6192595" y="3713926"/>
-            <a:ext cx="5677509" cy="2500147"/>
+            <a:off x="6177910" y="3848343"/>
+            <a:ext cx="5677509" cy="2720402"/>
           </a:xfrm>
           <a:prstGeom prst="rect">
             <a:avLst/>
@@ -5484,7 +5489,7 @@
         <p:spPr>
           <a:xfrm>
             <a:off x="6177911" y="928853"/>
-            <a:ext cx="5677509" cy="2500147"/>
+            <a:ext cx="5677509" cy="2871246"/>
           </a:xfrm>
           <a:prstGeom prst="rect">
             <a:avLst/>
@@ -5530,8 +5535,8 @@
         </p:nvSpPr>
         <p:spPr>
           <a:xfrm>
-            <a:off x="202202" y="1440354"/>
-            <a:ext cx="5639129" cy="2215991"/>
+            <a:off x="205982" y="1368701"/>
+            <a:ext cx="5634577" cy="2215991"/>
           </a:xfrm>
           <a:prstGeom prst="rect">
             <a:avLst/>
@@ -5851,8 +5856,8 @@
         </p:nvSpPr>
         <p:spPr>
           <a:xfrm>
-            <a:off x="6197100" y="1401492"/>
-            <a:ext cx="5639129" cy="1954381"/>
+            <a:off x="6158722" y="1279626"/>
+            <a:ext cx="5677508" cy="2662267"/>
           </a:xfrm>
           <a:prstGeom prst="rect">
             <a:avLst/>
@@ -5871,9 +5876,6 @@
             </a:r>
           </a:p>
           <a:p>
-            <a:endParaRPr lang="en-US" sz="1100" dirty="0"/>
-          </a:p>
-          <a:p>
             <a:r>
               <a:rPr lang="en-US" sz="1100" b="1" dirty="0"/>
               <a:t> 1). attributes: </a:t>
@@ -5882,23 +5884,198 @@
           <a:p>
             <a:r>
               <a:rPr lang="en-US" sz="1100" dirty="0"/>
-              <a:t>   save each round of the board and concatenate both user and computer's side of the board after their move, then use embedding to convert the boards only contains 1, 0, -1: 1(user's piece), 0(empty), -1(opponent's piece)</a:t>
-            </a:r>
-          </a:p>
-          <a:p>
+              <a:t>save each round of the board and concatenate both user and computer's side of the board after their move, then use embedding to convert the boards only contains 1, 0, -1: 1(user's piece), 0(empty), -1(opponent's piece)</a:t>
+            </a:r>
+            <a:br>
+              <a:rPr lang="en-US" sz="1100" dirty="0"/>
+            </a:br>
+            <a:endParaRPr lang="en-US" sz="800" dirty="0"/>
+          </a:p>
+          <a:p>
+            <a:r>
+              <a:rPr lang="en-US" sz="1100" dirty="0" err="1"/>
+              <a:t>Ie</a:t>
+            </a:r>
+            <a:r>
+              <a:rPr lang="en-US" sz="1100" dirty="0"/>
+              <a:t>. user is ‘x’:              </a:t>
+            </a:r>
+            <a:r>
+              <a:rPr lang="en-US" sz="1100" dirty="0">
+                <a:solidFill>
+                  <a:srgbClr val="FFC000"/>
+                </a:solidFill>
+                <a:effectLst/>
+              </a:rPr>
+              <a:t>‘</a:t>
+            </a:r>
+            <a:r>
+              <a:rPr lang="en-US" sz="1100" dirty="0" err="1">
+                <a:solidFill>
+                  <a:srgbClr val="FFC000"/>
+                </a:solidFill>
+                <a:effectLst/>
+              </a:rPr>
+              <a:t>xoxxx</a:t>
+            </a:r>
+            <a:r>
+              <a:rPr lang="en-US" sz="1100" dirty="0">
+                <a:solidFill>
+                  <a:srgbClr val="FFC000"/>
+                </a:solidFill>
+                <a:effectLst/>
+              </a:rPr>
+              <a:t>____</a:t>
+            </a:r>
+            <a:r>
+              <a:rPr lang="en-US" sz="1100" dirty="0" err="1">
+                <a:solidFill>
+                  <a:srgbClr val="FFC000"/>
+                </a:solidFill>
+                <a:effectLst/>
+              </a:rPr>
+              <a:t>ooo_o</a:t>
+            </a:r>
+            <a:r>
+              <a:rPr lang="en-US" sz="1100" dirty="0">
+                <a:solidFill>
+                  <a:srgbClr val="FFC000"/>
+                </a:solidFill>
+                <a:effectLst/>
+              </a:rPr>
+              <a:t>’         </a:t>
+            </a:r>
+            <a:r>
+              <a:rPr lang="en-US" sz="1100" dirty="0"/>
+              <a:t>+</a:t>
+            </a:r>
+            <a:r>
+              <a:rPr lang="en-US" sz="1100" dirty="0">
+                <a:solidFill>
+                  <a:srgbClr val="6A8759"/>
+                </a:solidFill>
+              </a:rPr>
+              <a:t> </a:t>
+            </a:r>
+            <a:r>
+              <a:rPr lang="en-US" sz="1100" dirty="0">
+                <a:solidFill>
+                  <a:srgbClr val="6A8759"/>
+                </a:solidFill>
+                <a:effectLst/>
+              </a:rPr>
+              <a:t>         ‘x_xxx_o__</a:t>
+            </a:r>
+            <a:r>
+              <a:rPr lang="en-US" sz="1100" dirty="0">
+                <a:solidFill>
+                  <a:srgbClr val="6A8759"/>
+                </a:solidFill>
+              </a:rPr>
+              <a:t>_</a:t>
+            </a:r>
+            <a:r>
+              <a:rPr lang="en-US" sz="1100" dirty="0" err="1">
+                <a:solidFill>
+                  <a:srgbClr val="6A8759"/>
+                </a:solidFill>
+                <a:effectLst/>
+              </a:rPr>
+              <a:t>oooo</a:t>
+            </a:r>
+            <a:r>
+              <a:rPr lang="en-US" sz="1100" dirty="0">
+                <a:solidFill>
+                  <a:srgbClr val="6A8759"/>
+                </a:solidFill>
+                <a:effectLst/>
+              </a:rPr>
+              <a:t>’</a:t>
+            </a:r>
+            <a:r>
+              <a:rPr lang="en-US" sz="1100" dirty="0"/>
+              <a:t>    </a:t>
+            </a:r>
+            <a:endParaRPr lang="en-US" sz="1100" dirty="0">
+              <a:effectLst/>
+            </a:endParaRPr>
+          </a:p>
+          <a:p>
+            <a:r>
+              <a:rPr lang="en-US" sz="1100" dirty="0">
+                <a:solidFill>
+                  <a:srgbClr val="6A8759"/>
+                </a:solidFill>
+              </a:rPr>
+              <a:t>                 </a:t>
+            </a:r>
+            <a:r>
+              <a:rPr lang="en-US" sz="1100" dirty="0"/>
+              <a:t>=&gt;    </a:t>
+            </a:r>
+            <a:r>
+              <a:rPr lang="en-US" sz="1100" dirty="0">
+                <a:effectLst/>
+              </a:rPr>
+              <a:t>[</a:t>
+            </a:r>
+            <a:r>
+              <a:rPr lang="en-US" sz="1100" dirty="0">
+                <a:solidFill>
+                  <a:srgbClr val="FFC000"/>
+                </a:solidFill>
+                <a:effectLst/>
+              </a:rPr>
+              <a:t>1,-1,1,1,1,0,0,0,0,-1,-1,-1,0,-1</a:t>
+            </a:r>
+            <a:r>
+              <a:rPr lang="en-US" sz="1100" dirty="0">
+                <a:solidFill>
+                  <a:srgbClr val="6A8759"/>
+                </a:solidFill>
+                <a:effectLst/>
+              </a:rPr>
+              <a:t>,1,0,1,1,1,0,-1,0,0,0,-1,-1,-1,-1</a:t>
+            </a:r>
+            <a:r>
+              <a:rPr lang="en-US" sz="1100" dirty="0">
+                <a:effectLst/>
+              </a:rPr>
+              <a:t>]</a:t>
+            </a:r>
             <a:endParaRPr lang="en-US" sz="1100" dirty="0"/>
           </a:p>
           <a:p>
+            <a:endParaRPr lang="en-US" sz="800" dirty="0"/>
+          </a:p>
+          <a:p>
             <a:r>
               <a:rPr lang="en-US" sz="1100" b="1" dirty="0"/>
-              <a:t>   2). target: </a:t>
+              <a:t>2). target: </a:t>
             </a:r>
           </a:p>
           <a:p>
             <a:r>
               <a:rPr lang="en-US" sz="1100" dirty="0"/>
-              <a:t>   a list of 1 or -1, if user won the whole game, for each round of the game, the corresponding labels these rounds will be 1, otherwise -1 (this way is to optimize the final win or lose, rather than amount of kills in each round)</a:t>
-            </a:r>
+              <a:t>a list of 1 or -1, if user won the whole game, for each round of the game, the corresponding labels these rounds will be 1, otherwise -1 (this way is to optimize the final win or lose, rather than amount of kills in each round)</a:t>
+            </a:r>
+            <a:br>
+              <a:rPr lang="en-US" sz="1100" dirty="0"/>
+            </a:br>
+            <a:endParaRPr lang="en-US" sz="800" dirty="0"/>
+          </a:p>
+          <a:p>
+            <a:r>
+              <a:rPr lang="en-US" sz="1100" dirty="0" err="1"/>
+              <a:t>Ie</a:t>
+            </a:r>
+            <a:r>
+              <a:rPr lang="en-US" sz="1100" dirty="0"/>
+              <a:t>. user is ‘x’ and wins:  [1,1,1,1,1,1,1,1,1,1,1,1,1,1,1,1,1,1,1,1,1,1,1,1,1,1]</a:t>
+            </a:r>
+          </a:p>
+          <a:p>
+            <a:endParaRPr lang="en-US" sz="1100" dirty="0"/>
           </a:p>
         </p:txBody>
       </p:sp>
@@ -5916,8 +6093,8 @@
         </p:nvSpPr>
         <p:spPr>
           <a:xfrm>
-            <a:off x="209525" y="4184891"/>
-            <a:ext cx="5639129" cy="1908215"/>
+            <a:off x="201430" y="4264814"/>
+            <a:ext cx="5639129" cy="2762295"/>
           </a:xfrm>
           <a:prstGeom prst="rect">
             <a:avLst/>
@@ -5934,97 +6111,697 @@
               <a:buAutoNum type="arabicPeriod"/>
             </a:pPr>
             <a:r>
-              <a:rPr lang="en-US" sz="1200" dirty="0"/>
+              <a:rPr lang="en-US" sz="1000" dirty="0"/>
               <a:t>train vs. test : 44k vs. 22k (2:1)</a:t>
             </a:r>
-            <a:br>
-              <a:rPr lang="en-US" sz="1200" dirty="0"/>
-            </a:br>
-            <a:endParaRPr lang="en-US" sz="1200" dirty="0"/>
           </a:p>
           <a:p>
             <a:pPr marL="228600" indent="-228600">
               <a:buAutoNum type="arabicPeriod"/>
             </a:pPr>
             <a:r>
-              <a:rPr lang="en-US" sz="1200" dirty="0"/>
+              <a:rPr lang="en-US" sz="1000" dirty="0"/>
               <a:t>Models: can choose user either TensorFlow or Sklearn MLPclassifier </a:t>
             </a:r>
           </a:p>
           <a:p>
             <a:r>
-              <a:rPr lang="en-US" sz="1200" dirty="0"/>
-              <a:t>	(TensorFlow performs the best for me)</a:t>
+              <a:rPr lang="en-US" sz="1000" dirty="0"/>
+              <a:t>TensorFlow performs the best for me with this architecture:</a:t>
+            </a:r>
+          </a:p>
+          <a:p>
+            <a:r>
+              <a:rPr lang="en-US" sz="800" dirty="0"/>
+              <a:t>model = </a:t>
+            </a:r>
+            <a:r>
+              <a:rPr lang="en-US" sz="800" dirty="0" err="1"/>
+              <a:t>tf.keras.Sequential</a:t>
+            </a:r>
+            <a:r>
+              <a:rPr lang="en-US" sz="800" dirty="0"/>
+              <a:t>([</a:t>
             </a:r>
             <a:br>
-              <a:rPr lang="en-US" sz="1200" dirty="0"/>
+              <a:rPr lang="en-US" sz="800" dirty="0"/>
             </a:br>
-            <a:endParaRPr lang="en-US" sz="1200" dirty="0"/>
-          </a:p>
-          <a:p>
-            <a:r>
-              <a:rPr lang="en-US" sz="1200" dirty="0"/>
-              <a:t>3. Metric: </a:t>
-            </a:r>
-            <a:r>
-              <a:rPr lang="en-US" sz="1200" b="1" dirty="0">
+            <a:r>
+              <a:rPr lang="en-US" sz="800" dirty="0"/>
+              <a:t>    </a:t>
+            </a:r>
+            <a:r>
+              <a:rPr lang="en-US" sz="800" dirty="0" err="1"/>
+              <a:t>tf.keras.layers.Dense</a:t>
+            </a:r>
+            <a:r>
+              <a:rPr lang="en-US" sz="800" dirty="0"/>
+              <a:t>(</a:t>
+            </a:r>
+            <a:r>
+              <a:rPr lang="en-US" sz="800" dirty="0">
+                <a:solidFill>
+                  <a:srgbClr val="FFFF00"/>
+                </a:solidFill>
+                <a:effectLst/>
+              </a:rPr>
+              <a:t>128</a:t>
+            </a:r>
+            <a:r>
+              <a:rPr lang="en-US" sz="800" dirty="0">
+                <a:solidFill>
+                  <a:srgbClr val="CC7832"/>
+                </a:solidFill>
+                <a:effectLst/>
+              </a:rPr>
+              <a:t>, </a:t>
+            </a:r>
+            <a:r>
+              <a:rPr lang="en-US" sz="800" dirty="0">
+                <a:solidFill>
+                  <a:srgbClr val="AA4926"/>
+                </a:solidFill>
+                <a:effectLst/>
+              </a:rPr>
+              <a:t>activation</a:t>
+            </a:r>
+            <a:r>
+              <a:rPr lang="en-US" sz="800" dirty="0"/>
+              <a:t>=</a:t>
+            </a:r>
+            <a:r>
+              <a:rPr lang="en-US" sz="800" dirty="0">
                 <a:solidFill>
                   <a:schemeClr val="bg1"/>
                 </a:solidFill>
-              </a:rPr>
-              <a:t>tf.keras.metrics.BinaryAccuracy(</a:t>
-            </a:r>
-            <a:r>
-              <a:rPr lang="en-US" sz="1200" b="1" dirty="0">
+                <a:effectLst/>
+              </a:rPr>
+              <a:t>'</a:t>
+            </a:r>
+            <a:r>
+              <a:rPr lang="en-US" sz="800" dirty="0" err="1">
                 <a:solidFill>
                   <a:schemeClr val="bg1"/>
                 </a:solidFill>
                 <a:effectLst/>
               </a:rPr>
+              <a:t>relu</a:t>
+            </a:r>
+            <a:r>
+              <a:rPr lang="en-US" sz="800" dirty="0">
+                <a:solidFill>
+                  <a:srgbClr val="6A8759"/>
+                </a:solidFill>
+                <a:effectLst/>
+              </a:rPr>
+              <a:t>'</a:t>
+            </a:r>
+            <a:r>
+              <a:rPr lang="en-US" sz="800" dirty="0"/>
+              <a:t>)</a:t>
+            </a:r>
+            <a:r>
+              <a:rPr lang="en-US" sz="800" dirty="0">
+                <a:solidFill>
+                  <a:srgbClr val="CC7832"/>
+                </a:solidFill>
+                <a:effectLst/>
+              </a:rPr>
+              <a:t>,</a:t>
+            </a:r>
+            <a:br>
+              <a:rPr lang="en-US" sz="800" dirty="0">
+                <a:solidFill>
+                  <a:srgbClr val="CC7832"/>
+                </a:solidFill>
+                <a:effectLst/>
+              </a:rPr>
+            </a:br>
+            <a:r>
+              <a:rPr lang="en-US" sz="800" dirty="0">
+                <a:solidFill>
+                  <a:srgbClr val="CC7832"/>
+                </a:solidFill>
+                <a:effectLst/>
+              </a:rPr>
+              <a:t>    </a:t>
+            </a:r>
+            <a:r>
+              <a:rPr lang="en-US" sz="800" dirty="0" err="1"/>
+              <a:t>tf.keras.layers.Dropout</a:t>
+            </a:r>
+            <a:r>
+              <a:rPr lang="en-US" sz="800" dirty="0"/>
+              <a:t>(</a:t>
+            </a:r>
+            <a:r>
+              <a:rPr lang="en-US" sz="800" dirty="0">
+                <a:solidFill>
+                  <a:srgbClr val="FFFF00"/>
+                </a:solidFill>
+                <a:effectLst/>
+              </a:rPr>
+              <a:t>0.2</a:t>
+            </a:r>
+            <a:r>
+              <a:rPr lang="en-US" sz="800" dirty="0"/>
+              <a:t>)</a:t>
+            </a:r>
+            <a:r>
+              <a:rPr lang="en-US" sz="800" dirty="0">
+                <a:solidFill>
+                  <a:srgbClr val="CC7832"/>
+                </a:solidFill>
+                <a:effectLst/>
+              </a:rPr>
+              <a:t>, </a:t>
+            </a:r>
+            <a:br>
+              <a:rPr lang="en-US" sz="800" dirty="0">
+                <a:solidFill>
+                  <a:srgbClr val="808080"/>
+                </a:solidFill>
+                <a:effectLst/>
+              </a:rPr>
+            </a:br>
+            <a:r>
+              <a:rPr lang="en-US" sz="800" dirty="0">
+                <a:solidFill>
+                  <a:srgbClr val="808080"/>
+                </a:solidFill>
+                <a:effectLst/>
+              </a:rPr>
+              <a:t>    </a:t>
+            </a:r>
+            <a:r>
+              <a:rPr lang="en-US" sz="800" dirty="0" err="1"/>
+              <a:t>tf.keras.layers.Dense</a:t>
+            </a:r>
+            <a:r>
+              <a:rPr lang="en-US" sz="800" dirty="0"/>
+              <a:t>(</a:t>
+            </a:r>
+            <a:r>
+              <a:rPr lang="en-US" sz="800" dirty="0">
+                <a:solidFill>
+                  <a:srgbClr val="FFFF00"/>
+                </a:solidFill>
+                <a:effectLst/>
+              </a:rPr>
+              <a:t>256</a:t>
+            </a:r>
+            <a:r>
+              <a:rPr lang="en-US" sz="800" dirty="0">
+                <a:solidFill>
+                  <a:srgbClr val="CC7832"/>
+                </a:solidFill>
+                <a:effectLst/>
+              </a:rPr>
+              <a:t>, </a:t>
+            </a:r>
+            <a:r>
+              <a:rPr lang="en-US" sz="800" dirty="0">
+                <a:solidFill>
+                  <a:srgbClr val="AA4926"/>
+                </a:solidFill>
+                <a:effectLst/>
+              </a:rPr>
+              <a:t>activation</a:t>
+            </a:r>
+            <a:r>
+              <a:rPr lang="en-US" sz="800" dirty="0"/>
+              <a:t>=</a:t>
+            </a:r>
+            <a:r>
+              <a:rPr lang="en-US" sz="800" dirty="0">
+                <a:solidFill>
+                  <a:schemeClr val="bg1"/>
+                </a:solidFill>
+                <a:effectLst/>
+              </a:rPr>
+              <a:t>'</a:t>
+            </a:r>
+            <a:r>
+              <a:rPr lang="en-US" sz="800" dirty="0" err="1">
+                <a:solidFill>
+                  <a:schemeClr val="bg1"/>
+                </a:solidFill>
+                <a:effectLst/>
+              </a:rPr>
+              <a:t>relu</a:t>
+            </a:r>
+            <a:r>
+              <a:rPr lang="en-US" sz="800" dirty="0">
+                <a:solidFill>
+                  <a:srgbClr val="6A8759"/>
+                </a:solidFill>
+                <a:effectLst/>
+              </a:rPr>
+              <a:t>'</a:t>
+            </a:r>
+            <a:r>
+              <a:rPr lang="en-US" sz="800" dirty="0"/>
+              <a:t>)</a:t>
+            </a:r>
+            <a:r>
+              <a:rPr lang="en-US" sz="800" dirty="0">
+                <a:solidFill>
+                  <a:srgbClr val="CC7832"/>
+                </a:solidFill>
+                <a:effectLst/>
+              </a:rPr>
+              <a:t>,</a:t>
+            </a:r>
+            <a:br>
+              <a:rPr lang="en-US" sz="800" dirty="0">
+                <a:solidFill>
+                  <a:srgbClr val="CC7832"/>
+                </a:solidFill>
+                <a:effectLst/>
+              </a:rPr>
+            </a:br>
+            <a:r>
+              <a:rPr lang="en-US" sz="800" dirty="0">
+                <a:solidFill>
+                  <a:srgbClr val="CC7832"/>
+                </a:solidFill>
+                <a:effectLst/>
+              </a:rPr>
+              <a:t>    </a:t>
+            </a:r>
+            <a:r>
+              <a:rPr lang="en-US" sz="800" dirty="0" err="1"/>
+              <a:t>tf.keras.layers.Dropout</a:t>
+            </a:r>
+            <a:r>
+              <a:rPr lang="en-US" sz="800" dirty="0"/>
+              <a:t>(</a:t>
+            </a:r>
+            <a:r>
+              <a:rPr lang="en-US" sz="800" dirty="0">
+                <a:solidFill>
+                  <a:srgbClr val="FFFF00"/>
+                </a:solidFill>
+                <a:effectLst/>
+              </a:rPr>
+              <a:t>0.2</a:t>
+            </a:r>
+            <a:r>
+              <a:rPr lang="en-US" sz="800" dirty="0"/>
+              <a:t>)</a:t>
+            </a:r>
+            <a:r>
+              <a:rPr lang="en-US" sz="800" dirty="0">
+                <a:solidFill>
+                  <a:srgbClr val="CC7832"/>
+                </a:solidFill>
+                <a:effectLst/>
+              </a:rPr>
+              <a:t>,  </a:t>
+            </a:r>
+            <a:br>
+              <a:rPr lang="en-US" sz="800" dirty="0">
+                <a:solidFill>
+                  <a:srgbClr val="808080"/>
+                </a:solidFill>
+                <a:effectLst/>
+              </a:rPr>
+            </a:br>
+            <a:r>
+              <a:rPr lang="en-US" sz="800" dirty="0">
+                <a:solidFill>
+                  <a:srgbClr val="808080"/>
+                </a:solidFill>
+                <a:effectLst/>
+              </a:rPr>
+              <a:t>    </a:t>
+            </a:r>
+            <a:r>
+              <a:rPr lang="en-US" sz="800" dirty="0" err="1"/>
+              <a:t>tf.keras.layers.Dense</a:t>
+            </a:r>
+            <a:r>
+              <a:rPr lang="en-US" sz="800" dirty="0"/>
+              <a:t>(</a:t>
+            </a:r>
+            <a:r>
+              <a:rPr lang="en-US" sz="800" dirty="0">
+                <a:solidFill>
+                  <a:srgbClr val="FFFF00"/>
+                </a:solidFill>
+                <a:effectLst/>
+              </a:rPr>
+              <a:t>128</a:t>
+            </a:r>
+            <a:r>
+              <a:rPr lang="en-US" sz="800" dirty="0">
+                <a:solidFill>
+                  <a:srgbClr val="CC7832"/>
+                </a:solidFill>
+                <a:effectLst/>
+              </a:rPr>
+              <a:t>, </a:t>
+            </a:r>
+            <a:r>
+              <a:rPr lang="en-US" sz="800" dirty="0">
+                <a:solidFill>
+                  <a:srgbClr val="AA4926"/>
+                </a:solidFill>
+                <a:effectLst/>
+              </a:rPr>
+              <a:t>activation</a:t>
+            </a:r>
+            <a:r>
+              <a:rPr lang="en-US" sz="800" dirty="0"/>
+              <a:t>=</a:t>
+            </a:r>
+            <a:r>
+              <a:rPr lang="en-US" sz="800" dirty="0">
+                <a:solidFill>
+                  <a:schemeClr val="bg1"/>
+                </a:solidFill>
+                <a:effectLst/>
+              </a:rPr>
+              <a:t>'</a:t>
+            </a:r>
+            <a:r>
+              <a:rPr lang="en-US" sz="800" dirty="0" err="1">
+                <a:solidFill>
+                  <a:schemeClr val="bg1"/>
+                </a:solidFill>
+                <a:effectLst/>
+              </a:rPr>
+              <a:t>relu</a:t>
+            </a:r>
+            <a:r>
+              <a:rPr lang="en-US" sz="800" dirty="0">
+                <a:solidFill>
+                  <a:srgbClr val="6A8759"/>
+                </a:solidFill>
+                <a:effectLst/>
+              </a:rPr>
+              <a:t>'</a:t>
+            </a:r>
+            <a:r>
+              <a:rPr lang="en-US" sz="800" dirty="0"/>
+              <a:t>)</a:t>
+            </a:r>
+            <a:r>
+              <a:rPr lang="en-US" sz="800" dirty="0">
+                <a:solidFill>
+                  <a:srgbClr val="CC7832"/>
+                </a:solidFill>
+                <a:effectLst/>
+              </a:rPr>
+              <a:t>,</a:t>
+            </a:r>
+            <a:br>
+              <a:rPr lang="en-US" sz="800" dirty="0">
+                <a:solidFill>
+                  <a:srgbClr val="CC7832"/>
+                </a:solidFill>
+                <a:effectLst/>
+              </a:rPr>
+            </a:br>
+            <a:r>
+              <a:rPr lang="en-US" sz="800" dirty="0">
+                <a:solidFill>
+                  <a:srgbClr val="CC7832"/>
+                </a:solidFill>
+                <a:effectLst/>
+              </a:rPr>
+              <a:t>    </a:t>
+            </a:r>
+            <a:r>
+              <a:rPr lang="en-US" sz="800" dirty="0" err="1"/>
+              <a:t>tf.keras.layers.Dense</a:t>
+            </a:r>
+            <a:r>
+              <a:rPr lang="en-US" sz="800" dirty="0"/>
+              <a:t>(</a:t>
+            </a:r>
+            <a:r>
+              <a:rPr lang="en-US" sz="800" dirty="0">
+                <a:solidFill>
+                  <a:srgbClr val="FFFF00"/>
+                </a:solidFill>
+                <a:effectLst/>
+              </a:rPr>
+              <a:t>1</a:t>
+            </a:r>
+            <a:r>
+              <a:rPr lang="en-US" sz="800" dirty="0">
+                <a:solidFill>
+                  <a:srgbClr val="CC7832"/>
+                </a:solidFill>
+                <a:effectLst/>
+              </a:rPr>
+              <a:t>, </a:t>
+            </a:r>
+            <a:r>
+              <a:rPr lang="en-US" sz="800" dirty="0">
+                <a:solidFill>
+                  <a:srgbClr val="AA4926"/>
+                </a:solidFill>
+                <a:effectLst/>
+              </a:rPr>
+              <a:t>activation</a:t>
+            </a:r>
+            <a:r>
+              <a:rPr lang="en-US" sz="800" dirty="0"/>
+              <a:t>=</a:t>
+            </a:r>
+            <a:r>
+              <a:rPr lang="en-US" sz="800" dirty="0">
+                <a:solidFill>
+                  <a:schemeClr val="bg1"/>
+                </a:solidFill>
+                <a:effectLst/>
+              </a:rPr>
+              <a:t>'sigmoid</a:t>
+            </a:r>
+            <a:r>
+              <a:rPr lang="en-US" sz="800" dirty="0">
+                <a:solidFill>
+                  <a:srgbClr val="6A8759"/>
+                </a:solidFill>
+                <a:effectLst/>
+              </a:rPr>
+              <a:t>'</a:t>
+            </a:r>
+            <a:r>
+              <a:rPr lang="en-US" sz="800" dirty="0"/>
+              <a:t>)</a:t>
+            </a:r>
+            <a:br>
+              <a:rPr lang="en-US" sz="800" dirty="0"/>
+            </a:br>
+            <a:r>
+              <a:rPr lang="en-US" sz="800" dirty="0"/>
+              <a:t>])</a:t>
+            </a:r>
+            <a:br>
+              <a:rPr lang="en-US" sz="800" dirty="0"/>
+            </a:br>
+            <a:r>
+              <a:rPr lang="en-US" sz="800" dirty="0" err="1"/>
+              <a:t>model.compile</a:t>
+            </a:r>
+            <a:r>
+              <a:rPr lang="en-US" sz="800" dirty="0"/>
+              <a:t>(</a:t>
+            </a:r>
+            <a:br>
+              <a:rPr lang="en-US" sz="800" dirty="0"/>
+            </a:br>
+            <a:r>
+              <a:rPr lang="en-US" sz="800" dirty="0"/>
+              <a:t>    </a:t>
+            </a:r>
+            <a:r>
+              <a:rPr lang="en-US" sz="800" dirty="0">
+                <a:solidFill>
+                  <a:srgbClr val="AA4926"/>
+                </a:solidFill>
+                <a:effectLst/>
+              </a:rPr>
+              <a:t>loss</a:t>
+            </a:r>
+            <a:r>
+              <a:rPr lang="en-US" sz="800" dirty="0"/>
+              <a:t>=</a:t>
+            </a:r>
+            <a:r>
+              <a:rPr lang="en-US" sz="800" dirty="0" err="1"/>
+              <a:t>tf.keras.losses.binary_crossentropy</a:t>
+            </a:r>
+            <a:r>
+              <a:rPr lang="en-US" sz="800" dirty="0">
+                <a:solidFill>
+                  <a:srgbClr val="CC7832"/>
+                </a:solidFill>
+                <a:effectLst/>
+              </a:rPr>
+              <a:t>,</a:t>
+            </a:r>
+            <a:br>
+              <a:rPr lang="en-US" sz="800" dirty="0">
+                <a:solidFill>
+                  <a:srgbClr val="CC7832"/>
+                </a:solidFill>
+                <a:effectLst/>
+              </a:rPr>
+            </a:br>
+            <a:r>
+              <a:rPr lang="en-US" sz="800" dirty="0">
+                <a:solidFill>
+                  <a:srgbClr val="CC7832"/>
+                </a:solidFill>
+                <a:effectLst/>
+              </a:rPr>
+              <a:t>    </a:t>
+            </a:r>
+            <a:r>
+              <a:rPr lang="en-US" sz="800" dirty="0">
+                <a:solidFill>
+                  <a:srgbClr val="AA4926"/>
+                </a:solidFill>
+                <a:effectLst/>
+              </a:rPr>
+              <a:t>optimizer</a:t>
+            </a:r>
+            <a:r>
+              <a:rPr lang="en-US" sz="800" dirty="0"/>
+              <a:t>=</a:t>
+            </a:r>
+            <a:r>
+              <a:rPr lang="en-US" sz="800" dirty="0" err="1"/>
+              <a:t>tf.keras.optimizers.Adam</a:t>
+            </a:r>
+            <a:r>
+              <a:rPr lang="en-US" sz="800" dirty="0"/>
+              <a:t>(</a:t>
+            </a:r>
+            <a:r>
+              <a:rPr lang="en-US" sz="800" dirty="0" err="1">
+                <a:solidFill>
+                  <a:srgbClr val="AA4926"/>
+                </a:solidFill>
+                <a:effectLst/>
+              </a:rPr>
+              <a:t>lr</a:t>
+            </a:r>
+            <a:r>
+              <a:rPr lang="en-US" sz="800" dirty="0"/>
+              <a:t>=</a:t>
+            </a:r>
+            <a:r>
+              <a:rPr lang="en-US" sz="800" dirty="0">
+                <a:solidFill>
+                  <a:srgbClr val="6897BB"/>
+                </a:solidFill>
+                <a:effectLst/>
+              </a:rPr>
+              <a:t>.1</a:t>
+            </a:r>
+            <a:r>
+              <a:rPr lang="en-US" sz="800" dirty="0"/>
+              <a:t>)</a:t>
+            </a:r>
+            <a:r>
+              <a:rPr lang="en-US" sz="800" dirty="0">
+                <a:solidFill>
+                  <a:srgbClr val="CC7832"/>
+                </a:solidFill>
+                <a:effectLst/>
+              </a:rPr>
+              <a:t>,</a:t>
+            </a:r>
+            <a:br>
+              <a:rPr lang="en-US" sz="800" dirty="0">
+                <a:solidFill>
+                  <a:srgbClr val="CC7832"/>
+                </a:solidFill>
+                <a:effectLst/>
+              </a:rPr>
+            </a:br>
+            <a:r>
+              <a:rPr lang="en-US" sz="800" dirty="0">
+                <a:solidFill>
+                  <a:srgbClr val="CC7832"/>
+                </a:solidFill>
+                <a:effectLst/>
+              </a:rPr>
+              <a:t>    </a:t>
+            </a:r>
+            <a:r>
+              <a:rPr lang="en-US" sz="800" dirty="0">
+                <a:solidFill>
+                  <a:srgbClr val="AA4926"/>
+                </a:solidFill>
+                <a:effectLst/>
+              </a:rPr>
+              <a:t>metrics</a:t>
+            </a:r>
+            <a:r>
+              <a:rPr lang="en-US" sz="800" dirty="0"/>
+              <a:t>=[</a:t>
+            </a:r>
+            <a:br>
+              <a:rPr lang="en-US" sz="800" dirty="0"/>
+            </a:br>
+            <a:r>
+              <a:rPr lang="en-US" sz="800" dirty="0"/>
+              <a:t>        tf.keras.metrics.BinaryAccuracy(</a:t>
+            </a:r>
+            <a:r>
+              <a:rPr lang="en-US" sz="800" dirty="0">
+                <a:solidFill>
+                  <a:srgbClr val="AA4926"/>
+                </a:solidFill>
+                <a:effectLst/>
+              </a:rPr>
               <a:t>name</a:t>
             </a:r>
             <a:r>
-              <a:rPr lang="en-US" sz="1200" b="1" dirty="0">
+              <a:rPr lang="en-US" sz="800" dirty="0"/>
+              <a:t>=</a:t>
+            </a:r>
+            <a:r>
+              <a:rPr lang="en-US" sz="800" dirty="0">
                 <a:solidFill>
                   <a:schemeClr val="bg1"/>
                 </a:solidFill>
-              </a:rPr>
-              <a:t>=</a:t>
-            </a:r>
-            <a:r>
-              <a:rPr lang="en-US" sz="1200" b="1" dirty="0">
-                <a:solidFill>
-                  <a:schemeClr val="bg1"/>
-                </a:solidFill>
-                <a:effectLst/>
-              </a:rPr>
-              <a:t>'accuracy’</a:t>
-            </a:r>
-            <a:r>
-              <a:rPr lang="en-US" sz="1200" b="1" dirty="0">
-                <a:solidFill>
-                  <a:schemeClr val="bg1"/>
-                </a:solidFill>
-              </a:rPr>
+                <a:effectLst/>
+              </a:rPr>
+              <a:t>'accuracy</a:t>
+            </a:r>
+            <a:r>
+              <a:rPr lang="en-US" sz="800" dirty="0">
+                <a:solidFill>
+                  <a:srgbClr val="6A8759"/>
+                </a:solidFill>
+                <a:effectLst/>
+              </a:rPr>
+              <a:t>'</a:t>
+            </a:r>
+            <a:r>
+              <a:rPr lang="en-US" sz="800" dirty="0"/>
               <a:t>)</a:t>
             </a:r>
             <a:br>
-              <a:rPr lang="en-US" sz="1200" b="1" dirty="0">
-                <a:solidFill>
-                  <a:schemeClr val="bg1"/>
-                </a:solidFill>
-              </a:rPr>
+              <a:rPr lang="en-US" sz="800" dirty="0"/>
             </a:br>
-            <a:endParaRPr lang="en-US" sz="1200" b="1" dirty="0">
-              <a:solidFill>
-                <a:schemeClr val="bg1"/>
-              </a:solidFill>
-            </a:endParaRPr>
-          </a:p>
-          <a:p>
-            <a:r>
-              <a:rPr lang="en-US" sz="1200" dirty="0"/>
-              <a:t>4. Save model</a:t>
+            <a:r>
+              <a:rPr lang="en-US" sz="800" dirty="0"/>
+              <a:t>    ]</a:t>
+            </a:r>
+            <a:br>
+              <a:rPr lang="en-US" sz="800" dirty="0"/>
+            </a:br>
+            <a:r>
+              <a:rPr lang="en-US" sz="800" dirty="0"/>
+              <a:t>)</a:t>
             </a:r>
           </a:p>
           <a:p>
@@ -6056,7 +6833,7 @@
         </p:nvSpPr>
         <p:spPr>
           <a:xfrm>
-            <a:off x="6216291" y="4135343"/>
+            <a:off x="6245216" y="4264814"/>
             <a:ext cx="5639129" cy="2292935"/>
           </a:xfrm>
           <a:prstGeom prst="rect">
